--- a/notes/notes/ds-algo/ch9-dp.pptx
+++ b/notes/notes/ds-algo/ch9-dp.pptx
@@ -224,7 +224,7 @@
           <a:p>
             <a:fld id="{9BFDADED-620D-D24E-82E2-96F000A12D1D}" type="datetimeFigureOut">
               <a:rPr lang="en-CN" smtClean="0"/>
-              <a:t>2024/1/24</a:t>
+              <a:t>2024/1/26</a:t>
             </a:fld>
             <a:endParaRPr lang="en-CN"/>
           </a:p>
@@ -811,6 +811,53 @@
           </a:p>
         </p:txBody>
       </p:sp>
+      <p:pic>
+        <p:nvPicPr>
+          <p:cNvPr id="9" name="Picture 2">
+            <a:extLst>
+              <a:ext uri="{FF2B5EF4-FFF2-40B4-BE49-F238E27FC236}">
+                <a16:creationId xmlns:a16="http://schemas.microsoft.com/office/drawing/2014/main" id="{C7865D88-B6A1-1D05-A991-B75D6023CCE6}"/>
+              </a:ext>
+            </a:extLst>
+          </p:cNvPr>
+          <p:cNvPicPr>
+            <a:picLocks noChangeAspect="1" noChangeArrowheads="1"/>
+          </p:cNvPicPr>
+          <p:nvPr userDrawn="1"/>
+        </p:nvPicPr>
+        <p:blipFill>
+          <a:blip r:embed="rId2">
+            <a:extLst>
+              <a:ext uri="{28A0092B-C50C-407E-A947-70E740481C1C}">
+                <a14:useLocalDpi xmlns:a14="http://schemas.microsoft.com/office/drawing/2010/main" val="0"/>
+              </a:ext>
+            </a:extLst>
+          </a:blip>
+          <a:srcRect/>
+          <a:stretch>
+            <a:fillRect/>
+          </a:stretch>
+        </p:blipFill>
+        <p:spPr bwMode="auto">
+          <a:xfrm>
+            <a:off x="8244520" y="0"/>
+            <a:ext cx="899480" cy="168442"/>
+          </a:xfrm>
+          <a:prstGeom prst="rect">
+            <a:avLst/>
+          </a:prstGeom>
+          <a:noFill/>
+          <a:extLst>
+            <a:ext uri="{909E8E84-426E-40DD-AFC4-6F175D3DCCD1}">
+              <a14:hiddenFill xmlns:a14="http://schemas.microsoft.com/office/drawing/2010/main">
+                <a:solidFill>
+                  <a:srgbClr val="FFFFFF"/>
+                </a:solidFill>
+              </a14:hiddenFill>
+            </a:ext>
+          </a:extLst>
+        </p:spPr>
+      </p:pic>
     </p:spTree>
     <p:extLst>
       <p:ext uri="{BB962C8B-B14F-4D97-AF65-F5344CB8AC3E}">
@@ -1713,7 +1760,7 @@
           <a:p>
             <a:fld id="{58D30FAB-176C-8449-8796-69F8D9C85B57}" type="datetime1">
               <a:rPr lang="en-US" smtClean="0"/>
-              <a:t>1/24/24</a:t>
+              <a:t>1/26/24</a:t>
             </a:fld>
             <a:endParaRPr lang="en-CN"/>
           </a:p>

--- a/notes/notes/ds-algo/ch9-dp.pptx
+++ b/notes/notes/ds-algo/ch9-dp.pptx
@@ -224,7 +224,7 @@
           <a:p>
             <a:fld id="{9BFDADED-620D-D24E-82E2-96F000A12D1D}" type="datetimeFigureOut">
               <a:rPr lang="en-CN" smtClean="0"/>
-              <a:t>2024/1/26</a:t>
+              <a:t>2024/1/29</a:t>
             </a:fld>
             <a:endParaRPr lang="en-CN"/>
           </a:p>
@@ -1760,7 +1760,7 @@
           <a:p>
             <a:fld id="{58D30FAB-176C-8449-8796-69F8D9C85B57}" type="datetime1">
               <a:rPr lang="en-US" smtClean="0"/>
-              <a:t>1/26/24</a:t>
+              <a:t>1/29/24</a:t>
             </a:fld>
             <a:endParaRPr lang="en-CN"/>
           </a:p>
@@ -13031,8 +13031,8 @@
           </a:p>
         </p:txBody>
       </p:sp>
-      <mc:AlternateContent xmlns:mc="http://schemas.openxmlformats.org/markup-compatibility/2006" xmlns:a14="http://schemas.microsoft.com/office/drawing/2010/main">
-        <mc:Choice Requires="a14">
+      <mc:AlternateContent xmlns:mc="http://schemas.openxmlformats.org/markup-compatibility/2006">
+        <mc:Choice xmlns:a14="http://schemas.microsoft.com/office/drawing/2010/main" Requires="a14">
           <p:sp>
             <p:nvSpPr>
               <p:cNvPr id="4" name="TextBox 3">
@@ -13048,7 +13048,7 @@
             <p:spPr>
               <a:xfrm>
                 <a:off x="767644" y="1332089"/>
-                <a:ext cx="6276077" cy="4154984"/>
+                <a:ext cx="6276077" cy="3785652"/>
               </a:xfrm>
               <a:prstGeom prst="rect">
                 <a:avLst/>
@@ -13218,23 +13218,7 @@
                   <a:rPr kumimoji="1" lang="zh-CN" altLang="en-US" sz="2400" dirty="0"/>
                   <a:t>当前的词</a:t>
                 </a:r>
-                <a:r>
-                  <a:rPr kumimoji="1" lang="en-US" altLang="zh-CN" sz="2400" dirty="0"/>
-                  <a:t>,</a:t>
-                </a:r>
-                <a:r>
-                  <a:rPr kumimoji="1" lang="zh-CN" altLang="en-US" sz="2400" dirty="0"/>
-                  <a:t> </a:t>
-                </a:r>
-                <a:r>
-                  <a:rPr kumimoji="1" lang="en-US" altLang="zh-CN" sz="2400" dirty="0"/>
-                  <a:t>2</a:t>
-                </a:r>
-                <a:r>
-                  <a:rPr kumimoji="1" lang="zh-CN" altLang="en-US" sz="2400" dirty="0"/>
-                  <a:t>种选择</a:t>
-                </a:r>
-                <a:endParaRPr kumimoji="1" lang="en-US" altLang="zh-CN" sz="2400" dirty="0"/>
+                <a:endParaRPr kumimoji="1" lang="en-CN" altLang="zh-CN" sz="2400" dirty="0"/>
               </a:p>
               <a:p>
                 <a:pPr marL="800100" lvl="1" indent="-342900">
@@ -13242,38 +13226,27 @@
                   <a:buChar char="•"/>
                 </a:pPr>
                 <a:r>
-                  <a:rPr kumimoji="1" lang="zh-CN" altLang="en-US" sz="2400" dirty="0"/>
-                  <a:t>划分到上一个词语中</a:t>
+                  <a:rPr kumimoji="1" lang="zh-CN" altLang="en-CN" sz="2400" dirty="0"/>
+                  <a:t>往后</a:t>
                 </a:r>
-                <a:endParaRPr kumimoji="1" lang="en-US" altLang="zh-CN" sz="2400" dirty="0"/>
-              </a:p>
-              <a:p>
-                <a:pPr marL="800100" lvl="1" indent="-342900">
-                  <a:buFont typeface="Arial" panose="020B0604020202020204" pitchFamily="34" charset="0"/>
-                  <a:buChar char="•"/>
-                </a:pPr>
                 <a:r>
                   <a:rPr kumimoji="1" lang="zh-CN" altLang="en-US" sz="2400" dirty="0"/>
-                  <a:t>新开一个词语划分</a:t>
+                  <a:t>看有没有可以划分</a:t>
                 </a:r>
                 <a:r>
                   <a:rPr kumimoji="1" lang="en-US" altLang="zh-CN" sz="2400" dirty="0"/>
-                  <a:t>(</a:t>
+                  <a:t>,</a:t>
                 </a:r>
                 <a:r>
                   <a:rPr kumimoji="1" lang="zh-CN" altLang="en-US" sz="2400" dirty="0"/>
-                  <a:t>如果这是一个词</a:t>
+                  <a:t> 尝试每一个</a:t>
                 </a:r>
-                <a:r>
-                  <a:rPr kumimoji="1" lang="en-US" altLang="zh-CN" sz="2400" dirty="0"/>
-                  <a:t>)</a:t>
-                </a:r>
-                <a:endParaRPr kumimoji="1" lang="zh-CN" altLang="en-US" sz="2400" dirty="0"/>
+                <a:endParaRPr kumimoji="1" lang="en-US" altLang="zh-CN" sz="2400" dirty="0"/>
               </a:p>
             </p:txBody>
           </p:sp>
         </mc:Choice>
-        <mc:Fallback xmlns="">
+        <mc:Fallback>
           <p:sp>
             <p:nvSpPr>
               <p:cNvPr id="4" name="TextBox 3">
@@ -13291,7 +13264,7 @@
             <p:spPr>
               <a:xfrm>
                 <a:off x="767644" y="1332089"/>
-                <a:ext cx="6276077" cy="4154984"/>
+                <a:ext cx="6276077" cy="3785652"/>
               </a:xfrm>
               <a:prstGeom prst="rect">
                 <a:avLst/>
@@ -13299,7 +13272,7 @@
               <a:blipFill>
                 <a:blip r:embed="rId2"/>
                 <a:stretch>
-                  <a:fillRect l="-1616" t="-1829" r="-606" b="-2439"/>
+                  <a:fillRect l="-1616" t="-2007" r="-606" b="-2676"/>
                 </a:stretch>
               </a:blipFill>
             </p:spPr>
